--- a/Lab Git.pptx
+++ b/Lab Git.pptx
@@ -9,16 +9,18 @@
     <p:sldId id="257" r:id="rId3"/>
     <p:sldId id="262" r:id="rId4"/>
     <p:sldId id="263" r:id="rId5"/>
-    <p:sldId id="261" r:id="rId6"/>
-    <p:sldId id="258" r:id="rId7"/>
-    <p:sldId id="264" r:id="rId8"/>
-    <p:sldId id="266" r:id="rId9"/>
-    <p:sldId id="267" r:id="rId10"/>
-    <p:sldId id="268" r:id="rId11"/>
-    <p:sldId id="269" r:id="rId12"/>
-    <p:sldId id="270" r:id="rId13"/>
-    <p:sldId id="259" r:id="rId14"/>
-    <p:sldId id="260" r:id="rId15"/>
+    <p:sldId id="270" r:id="rId6"/>
+    <p:sldId id="271" r:id="rId7"/>
+    <p:sldId id="272" r:id="rId8"/>
+    <p:sldId id="261" r:id="rId9"/>
+    <p:sldId id="258" r:id="rId10"/>
+    <p:sldId id="264" r:id="rId11"/>
+    <p:sldId id="266" r:id="rId12"/>
+    <p:sldId id="267" r:id="rId13"/>
+    <p:sldId id="268" r:id="rId14"/>
+    <p:sldId id="269" r:id="rId15"/>
+    <p:sldId id="259" r:id="rId16"/>
+    <p:sldId id="260" r:id="rId17"/>
   </p:sldIdLst>
   <p:sldSz cx="12192000" cy="6858000"/>
   <p:notesSz cx="6858000" cy="9144000"/>
@@ -117,6 +119,11 @@
       </a:defRPr>
     </a:lvl9pPr>
   </p:defaultTextStyle>
+  <p:extLst>
+    <p:ext uri="{EFAFB233-063F-42B5-8137-9DF3F51BA10A}">
+      <p15:sldGuideLst xmlns:p15="http://schemas.microsoft.com/office/powerpoint/2012/main"/>
+    </p:ext>
+  </p:extLst>
 </p:presentation>
 </file>
 
@@ -3464,17 +3471,17 @@
             </a:r>
             <a:r>
               <a:rPr lang="en-US" dirty="0"/>
-              <a:t> and R – Post-modularization</a:t>
+              <a:t> and R – Pre-modularization</a:t>
             </a:r>
           </a:p>
         </p:txBody>
       </p:sp>
       <p:pic>
         <p:nvPicPr>
-          <p:cNvPr id="6" name="Picture 5">
-            <a:extLst>
-              <a:ext uri="{FF2B5EF4-FFF2-40B4-BE49-F238E27FC236}">
-                <a16:creationId xmlns:a16="http://schemas.microsoft.com/office/drawing/2014/main" id="{29F27011-6F9B-96CD-D9C6-1FDC3D91322E}"/>
+          <p:cNvPr id="4" name="Picture 3">
+            <a:extLst>
+              <a:ext uri="{FF2B5EF4-FFF2-40B4-BE49-F238E27FC236}">
+                <a16:creationId xmlns:a16="http://schemas.microsoft.com/office/drawing/2014/main" id="{DD46FD99-13FC-61B5-C07D-4DCF88EA00E7}"/>
               </a:ext>
             </a:extLst>
           </p:cNvPr>
@@ -3491,8 +3498,8 @@
         </p:blipFill>
         <p:spPr>
           <a:xfrm>
-            <a:off x="120073" y="2359299"/>
-            <a:ext cx="5801675" cy="3429001"/>
+            <a:off x="577008" y="1523856"/>
+            <a:ext cx="5071491" cy="4909127"/>
           </a:xfrm>
           <a:prstGeom prst="rect">
             <a:avLst/>
@@ -3501,10 +3508,10 @@
       </p:pic>
       <p:pic>
         <p:nvPicPr>
-          <p:cNvPr id="9" name="Picture 8">
-            <a:extLst>
-              <a:ext uri="{FF2B5EF4-FFF2-40B4-BE49-F238E27FC236}">
-                <a16:creationId xmlns:a16="http://schemas.microsoft.com/office/drawing/2014/main" id="{9521C3CA-3992-8A51-D337-A8F35C89F507}"/>
+          <p:cNvPr id="7" name="Picture 6">
+            <a:extLst>
+              <a:ext uri="{FF2B5EF4-FFF2-40B4-BE49-F238E27FC236}">
+                <a16:creationId xmlns:a16="http://schemas.microsoft.com/office/drawing/2014/main" id="{0B9AAC8F-2B0F-B3B0-9F54-5A56C0D50E88}"/>
               </a:ext>
             </a:extLst>
           </p:cNvPr>
@@ -3521,8 +3528,8 @@
         </p:blipFill>
         <p:spPr>
           <a:xfrm>
-            <a:off x="6270059" y="2359301"/>
-            <a:ext cx="5801868" cy="3429000"/>
+            <a:off x="5909691" y="1610975"/>
+            <a:ext cx="5105656" cy="4822008"/>
           </a:xfrm>
           <a:prstGeom prst="rect">
             <a:avLst/>
@@ -3532,7 +3539,7 @@
     </p:spTree>
     <p:extLst>
       <p:ext uri="{BB962C8B-B14F-4D97-AF65-F5344CB8AC3E}">
-        <p14:creationId xmlns:p14="http://schemas.microsoft.com/office/powerpoint/2010/main" val="1529048430"/>
+        <p14:creationId xmlns:p14="http://schemas.microsoft.com/office/powerpoint/2010/main" val="2776588914"/>
       </p:ext>
     </p:extLst>
   </p:cSld>
@@ -3598,10 +3605,10 @@
       </p:sp>
       <p:pic>
         <p:nvPicPr>
-          <p:cNvPr id="4" name="Picture 3">
-            <a:extLst>
-              <a:ext uri="{FF2B5EF4-FFF2-40B4-BE49-F238E27FC236}">
-                <a16:creationId xmlns:a16="http://schemas.microsoft.com/office/drawing/2014/main" id="{43CF2F23-A2D8-90DC-99C9-C7AD2BCE9326}"/>
+          <p:cNvPr id="5" name="Picture 4">
+            <a:extLst>
+              <a:ext uri="{FF2B5EF4-FFF2-40B4-BE49-F238E27FC236}">
+                <a16:creationId xmlns:a16="http://schemas.microsoft.com/office/drawing/2014/main" id="{331CBDB6-8BB1-22E0-D017-B5A75BDAA095}"/>
               </a:ext>
             </a:extLst>
           </p:cNvPr>
@@ -3618,8 +3625,68 @@
         </p:blipFill>
         <p:spPr>
           <a:xfrm>
-            <a:off x="2081941" y="1397529"/>
-            <a:ext cx="8028117" cy="4750410"/>
+            <a:off x="270522" y="1160401"/>
+            <a:ext cx="5423603" cy="3513596"/>
+          </a:xfrm>
+          <a:prstGeom prst="rect">
+            <a:avLst/>
+          </a:prstGeom>
+        </p:spPr>
+      </p:pic>
+      <p:pic>
+        <p:nvPicPr>
+          <p:cNvPr id="8" name="Picture 7">
+            <a:extLst>
+              <a:ext uri="{FF2B5EF4-FFF2-40B4-BE49-F238E27FC236}">
+                <a16:creationId xmlns:a16="http://schemas.microsoft.com/office/drawing/2014/main" id="{4CF62CEF-074E-3804-0B36-E0B5B05B087F}"/>
+              </a:ext>
+            </a:extLst>
+          </p:cNvPr>
+          <p:cNvPicPr>
+            <a:picLocks noChangeAspect="1"/>
+          </p:cNvPicPr>
+          <p:nvPr/>
+        </p:nvPicPr>
+        <p:blipFill>
+          <a:blip r:embed="rId3"/>
+          <a:stretch>
+            <a:fillRect/>
+          </a:stretch>
+        </p:blipFill>
+        <p:spPr>
+          <a:xfrm>
+            <a:off x="5811885" y="1160401"/>
+            <a:ext cx="6109593" cy="3513596"/>
+          </a:xfrm>
+          <a:prstGeom prst="rect">
+            <a:avLst/>
+          </a:prstGeom>
+        </p:spPr>
+      </p:pic>
+      <p:pic>
+        <p:nvPicPr>
+          <p:cNvPr id="4" name="Picture 3">
+            <a:extLst>
+              <a:ext uri="{FF2B5EF4-FFF2-40B4-BE49-F238E27FC236}">
+                <a16:creationId xmlns:a16="http://schemas.microsoft.com/office/drawing/2014/main" id="{5A6C4954-ADE9-D9BA-7275-745E0269A994}"/>
+              </a:ext>
+            </a:extLst>
+          </p:cNvPr>
+          <p:cNvPicPr>
+            <a:picLocks noChangeAspect="1"/>
+          </p:cNvPicPr>
+          <p:nvPr/>
+        </p:nvPicPr>
+        <p:blipFill>
+          <a:blip r:embed="rId4"/>
+          <a:stretch>
+            <a:fillRect/>
+          </a:stretch>
+        </p:blipFill>
+        <p:spPr>
+          <a:xfrm>
+            <a:off x="2006503" y="4744565"/>
+            <a:ext cx="7610764" cy="2113435"/>
           </a:xfrm>
           <a:prstGeom prst="rect">
             <a:avLst/>
@@ -3629,7 +3696,7 @@
     </p:spTree>
     <p:extLst>
       <p:ext uri="{BB962C8B-B14F-4D97-AF65-F5344CB8AC3E}">
-        <p14:creationId xmlns:p14="http://schemas.microsoft.com/office/powerpoint/2010/main" val="2472556078"/>
+        <p14:creationId xmlns:p14="http://schemas.microsoft.com/office/powerpoint/2010/main" val="2027983058"/>
       </p:ext>
     </p:extLst>
   </p:cSld>
@@ -3688,17 +3755,17 @@
             </a:r>
             <a:r>
               <a:rPr lang="en-US" dirty="0"/>
-              <a:t> – Cloning Repositories </a:t>
+              <a:t> and R – Post-modularization</a:t>
             </a:r>
           </a:p>
         </p:txBody>
       </p:sp>
       <p:pic>
         <p:nvPicPr>
-          <p:cNvPr id="9" name="Picture 8">
-            <a:extLst>
-              <a:ext uri="{FF2B5EF4-FFF2-40B4-BE49-F238E27FC236}">
-                <a16:creationId xmlns:a16="http://schemas.microsoft.com/office/drawing/2014/main" id="{0AEC8823-DEDA-B65C-0A17-85EBF672A10D}"/>
+          <p:cNvPr id="5" name="Picture 4">
+            <a:extLst>
+              <a:ext uri="{FF2B5EF4-FFF2-40B4-BE49-F238E27FC236}">
+                <a16:creationId xmlns:a16="http://schemas.microsoft.com/office/drawing/2014/main" id="{331CBDB6-8BB1-22E0-D017-B5A75BDAA095}"/>
               </a:ext>
             </a:extLst>
           </p:cNvPr>
@@ -3715,8 +3782,68 @@
         </p:blipFill>
         <p:spPr>
           <a:xfrm>
-            <a:off x="3150152" y="1164566"/>
-            <a:ext cx="5891695" cy="5037826"/>
+            <a:off x="270522" y="1160401"/>
+            <a:ext cx="5423603" cy="3513596"/>
+          </a:xfrm>
+          <a:prstGeom prst="rect">
+            <a:avLst/>
+          </a:prstGeom>
+        </p:spPr>
+      </p:pic>
+      <p:pic>
+        <p:nvPicPr>
+          <p:cNvPr id="8" name="Picture 7">
+            <a:extLst>
+              <a:ext uri="{FF2B5EF4-FFF2-40B4-BE49-F238E27FC236}">
+                <a16:creationId xmlns:a16="http://schemas.microsoft.com/office/drawing/2014/main" id="{4CF62CEF-074E-3804-0B36-E0B5B05B087F}"/>
+              </a:ext>
+            </a:extLst>
+          </p:cNvPr>
+          <p:cNvPicPr>
+            <a:picLocks noChangeAspect="1"/>
+          </p:cNvPicPr>
+          <p:nvPr/>
+        </p:nvPicPr>
+        <p:blipFill>
+          <a:blip r:embed="rId3"/>
+          <a:stretch>
+            <a:fillRect/>
+          </a:stretch>
+        </p:blipFill>
+        <p:spPr>
+          <a:xfrm>
+            <a:off x="5811885" y="1160401"/>
+            <a:ext cx="6109593" cy="3513596"/>
+          </a:xfrm>
+          <a:prstGeom prst="rect">
+            <a:avLst/>
+          </a:prstGeom>
+        </p:spPr>
+      </p:pic>
+      <p:pic>
+        <p:nvPicPr>
+          <p:cNvPr id="4" name="Picture 3">
+            <a:extLst>
+              <a:ext uri="{FF2B5EF4-FFF2-40B4-BE49-F238E27FC236}">
+                <a16:creationId xmlns:a16="http://schemas.microsoft.com/office/drawing/2014/main" id="{5A6C4954-ADE9-D9BA-7275-745E0269A994}"/>
+              </a:ext>
+            </a:extLst>
+          </p:cNvPr>
+          <p:cNvPicPr>
+            <a:picLocks noChangeAspect="1"/>
+          </p:cNvPicPr>
+          <p:nvPr/>
+        </p:nvPicPr>
+        <p:blipFill>
+          <a:blip r:embed="rId4"/>
+          <a:stretch>
+            <a:fillRect/>
+          </a:stretch>
+        </p:blipFill>
+        <p:spPr>
+          <a:xfrm>
+            <a:off x="2006503" y="4744565"/>
+            <a:ext cx="7610764" cy="2113435"/>
           </a:xfrm>
           <a:prstGeom prst="rect">
             <a:avLst/>
@@ -3726,7 +3853,7 @@
     </p:spTree>
     <p:extLst>
       <p:ext uri="{BB962C8B-B14F-4D97-AF65-F5344CB8AC3E}">
-        <p14:creationId xmlns:p14="http://schemas.microsoft.com/office/powerpoint/2010/main" val="1002160172"/>
+        <p14:creationId xmlns:p14="http://schemas.microsoft.com/office/powerpoint/2010/main" val="1435545465"/>
       </p:ext>
     </p:extLst>
   </p:cSld>
@@ -3771,6 +3898,230 @@
         </p:nvSpPr>
         <p:spPr>
           <a:xfrm>
+            <a:off x="838200" y="0"/>
+            <a:ext cx="10515600" cy="1325563"/>
+          </a:xfrm>
+        </p:spPr>
+        <p:txBody>
+          <a:bodyPr/>
+          <a:lstStyle/>
+          <a:p>
+            <a:r>
+              <a:rPr lang="en-US" dirty="0" err="1"/>
+              <a:t>Github</a:t>
+            </a:r>
+            <a:r>
+              <a:rPr lang="en-US" dirty="0"/>
+              <a:t> and R – Post-modularization</a:t>
+            </a:r>
+          </a:p>
+        </p:txBody>
+      </p:sp>
+      <p:pic>
+        <p:nvPicPr>
+          <p:cNvPr id="6" name="Picture 5">
+            <a:extLst>
+              <a:ext uri="{FF2B5EF4-FFF2-40B4-BE49-F238E27FC236}">
+                <a16:creationId xmlns:a16="http://schemas.microsoft.com/office/drawing/2014/main" id="{29F27011-6F9B-96CD-D9C6-1FDC3D91322E}"/>
+              </a:ext>
+            </a:extLst>
+          </p:cNvPr>
+          <p:cNvPicPr>
+            <a:picLocks noChangeAspect="1"/>
+          </p:cNvPicPr>
+          <p:nvPr/>
+        </p:nvPicPr>
+        <p:blipFill>
+          <a:blip r:embed="rId2"/>
+          <a:stretch>
+            <a:fillRect/>
+          </a:stretch>
+        </p:blipFill>
+        <p:spPr>
+          <a:xfrm>
+            <a:off x="120073" y="2359299"/>
+            <a:ext cx="5801675" cy="3429001"/>
+          </a:xfrm>
+          <a:prstGeom prst="rect">
+            <a:avLst/>
+          </a:prstGeom>
+        </p:spPr>
+      </p:pic>
+      <p:pic>
+        <p:nvPicPr>
+          <p:cNvPr id="9" name="Picture 8">
+            <a:extLst>
+              <a:ext uri="{FF2B5EF4-FFF2-40B4-BE49-F238E27FC236}">
+                <a16:creationId xmlns:a16="http://schemas.microsoft.com/office/drawing/2014/main" id="{9521C3CA-3992-8A51-D337-A8F35C89F507}"/>
+              </a:ext>
+            </a:extLst>
+          </p:cNvPr>
+          <p:cNvPicPr>
+            <a:picLocks noChangeAspect="1"/>
+          </p:cNvPicPr>
+          <p:nvPr/>
+        </p:nvPicPr>
+        <p:blipFill>
+          <a:blip r:embed="rId3"/>
+          <a:stretch>
+            <a:fillRect/>
+          </a:stretch>
+        </p:blipFill>
+        <p:spPr>
+          <a:xfrm>
+            <a:off x="6270059" y="2359301"/>
+            <a:ext cx="5801868" cy="3429000"/>
+          </a:xfrm>
+          <a:prstGeom prst="rect">
+            <a:avLst/>
+          </a:prstGeom>
+        </p:spPr>
+      </p:pic>
+    </p:spTree>
+    <p:extLst>
+      <p:ext uri="{BB962C8B-B14F-4D97-AF65-F5344CB8AC3E}">
+        <p14:creationId xmlns:p14="http://schemas.microsoft.com/office/powerpoint/2010/main" val="1529048430"/>
+      </p:ext>
+    </p:extLst>
+  </p:cSld>
+  <p:clrMapOvr>
+    <a:masterClrMapping/>
+  </p:clrMapOvr>
+</p:sld>
+</file>
+
+<file path=ppt/slides/slide14.xml><?xml version="1.0" encoding="utf-8"?>
+<p:sld xmlns:a="http://schemas.openxmlformats.org/drawingml/2006/main" xmlns:r="http://schemas.openxmlformats.org/officeDocument/2006/relationships" xmlns:p="http://schemas.openxmlformats.org/presentationml/2006/main">
+  <p:cSld>
+    <p:spTree>
+      <p:nvGrpSpPr>
+        <p:cNvPr id="1" name=""/>
+        <p:cNvGrpSpPr/>
+        <p:nvPr/>
+      </p:nvGrpSpPr>
+      <p:grpSpPr>
+        <a:xfrm>
+          <a:off x="0" y="0"/>
+          <a:ext cx="0" cy="0"/>
+          <a:chOff x="0" y="0"/>
+          <a:chExt cx="0" cy="0"/>
+        </a:xfrm>
+      </p:grpSpPr>
+      <p:sp>
+        <p:nvSpPr>
+          <p:cNvPr id="2" name="Title 1">
+            <a:extLst>
+              <a:ext uri="{FF2B5EF4-FFF2-40B4-BE49-F238E27FC236}">
+                <a16:creationId xmlns:a16="http://schemas.microsoft.com/office/drawing/2014/main" id="{DCDA2D8B-E6C7-2A5B-25D0-B72E5253EE72}"/>
+              </a:ext>
+            </a:extLst>
+          </p:cNvPr>
+          <p:cNvSpPr>
+            <a:spLocks noGrp="1"/>
+          </p:cNvSpPr>
+          <p:nvPr>
+            <p:ph type="title"/>
+          </p:nvPr>
+        </p:nvSpPr>
+        <p:spPr>
+          <a:xfrm>
+            <a:off x="838200" y="0"/>
+            <a:ext cx="10515600" cy="1325563"/>
+          </a:xfrm>
+        </p:spPr>
+        <p:txBody>
+          <a:bodyPr/>
+          <a:lstStyle/>
+          <a:p>
+            <a:r>
+              <a:rPr lang="en-US" dirty="0" err="1"/>
+              <a:t>Github</a:t>
+            </a:r>
+            <a:r>
+              <a:rPr lang="en-US" dirty="0"/>
+              <a:t> and R – Post-modularization</a:t>
+            </a:r>
+          </a:p>
+        </p:txBody>
+      </p:sp>
+      <p:pic>
+        <p:nvPicPr>
+          <p:cNvPr id="4" name="Picture 3">
+            <a:extLst>
+              <a:ext uri="{FF2B5EF4-FFF2-40B4-BE49-F238E27FC236}">
+                <a16:creationId xmlns:a16="http://schemas.microsoft.com/office/drawing/2014/main" id="{43CF2F23-A2D8-90DC-99C9-C7AD2BCE9326}"/>
+              </a:ext>
+            </a:extLst>
+          </p:cNvPr>
+          <p:cNvPicPr>
+            <a:picLocks noChangeAspect="1"/>
+          </p:cNvPicPr>
+          <p:nvPr/>
+        </p:nvPicPr>
+        <p:blipFill>
+          <a:blip r:embed="rId2"/>
+          <a:stretch>
+            <a:fillRect/>
+          </a:stretch>
+        </p:blipFill>
+        <p:spPr>
+          <a:xfrm>
+            <a:off x="2081941" y="1397529"/>
+            <a:ext cx="8028117" cy="4750410"/>
+          </a:xfrm>
+          <a:prstGeom prst="rect">
+            <a:avLst/>
+          </a:prstGeom>
+        </p:spPr>
+      </p:pic>
+    </p:spTree>
+    <p:extLst>
+      <p:ext uri="{BB962C8B-B14F-4D97-AF65-F5344CB8AC3E}">
+        <p14:creationId xmlns:p14="http://schemas.microsoft.com/office/powerpoint/2010/main" val="2472556078"/>
+      </p:ext>
+    </p:extLst>
+  </p:cSld>
+  <p:clrMapOvr>
+    <a:masterClrMapping/>
+  </p:clrMapOvr>
+</p:sld>
+</file>
+
+<file path=ppt/slides/slide15.xml><?xml version="1.0" encoding="utf-8"?>
+<p:sld xmlns:a="http://schemas.openxmlformats.org/drawingml/2006/main" xmlns:r="http://schemas.openxmlformats.org/officeDocument/2006/relationships" xmlns:p="http://schemas.openxmlformats.org/presentationml/2006/main">
+  <p:cSld>
+    <p:spTree>
+      <p:nvGrpSpPr>
+        <p:cNvPr id="1" name=""/>
+        <p:cNvGrpSpPr/>
+        <p:nvPr/>
+      </p:nvGrpSpPr>
+      <p:grpSpPr>
+        <a:xfrm>
+          <a:off x="0" y="0"/>
+          <a:ext cx="0" cy="0"/>
+          <a:chOff x="0" y="0"/>
+          <a:chExt cx="0" cy="0"/>
+        </a:xfrm>
+      </p:grpSpPr>
+      <p:sp>
+        <p:nvSpPr>
+          <p:cNvPr id="2" name="Title 1">
+            <a:extLst>
+              <a:ext uri="{FF2B5EF4-FFF2-40B4-BE49-F238E27FC236}">
+                <a16:creationId xmlns:a16="http://schemas.microsoft.com/office/drawing/2014/main" id="{DCDA2D8B-E6C7-2A5B-25D0-B72E5253EE72}"/>
+              </a:ext>
+            </a:extLst>
+          </p:cNvPr>
+          <p:cNvSpPr>
+            <a:spLocks noGrp="1"/>
+          </p:cNvSpPr>
+          <p:nvPr>
+            <p:ph type="title"/>
+          </p:nvPr>
+        </p:nvSpPr>
+        <p:spPr>
+          <a:xfrm>
             <a:off x="838199" y="0"/>
             <a:ext cx="10515600" cy="1325563"/>
           </a:xfrm>
@@ -3833,7 +4184,7 @@
 </p:sld>
 </file>
 
-<file path=ppt/slides/slide14.xml><?xml version="1.0" encoding="utf-8"?>
+<file path=ppt/slides/slide16.xml><?xml version="1.0" encoding="utf-8"?>
 <p:sld xmlns:a="http://schemas.openxmlformats.org/drawingml/2006/main" xmlns:r="http://schemas.openxmlformats.org/officeDocument/2006/relationships" xmlns:p="http://schemas.openxmlformats.org/presentationml/2006/main">
   <p:cSld>
     <p:spTree>
@@ -4267,25 +4618,17 @@
             </a:r>
             <a:r>
               <a:rPr lang="en-US" dirty="0"/>
-              <a:t> Connectivity – </a:t>
-            </a:r>
-            <a:r>
-              <a:rPr lang="en-US" dirty="0" err="1"/>
-              <a:t>Github</a:t>
-            </a:r>
-            <a:r>
-              <a:rPr lang="en-US" dirty="0"/>
-              <a:t> Desktop</a:t>
+              <a:t> – Cloning Repositories </a:t>
             </a:r>
           </a:p>
         </p:txBody>
       </p:sp>
       <p:pic>
         <p:nvPicPr>
-          <p:cNvPr id="4" name="Picture 3">
-            <a:extLst>
-              <a:ext uri="{FF2B5EF4-FFF2-40B4-BE49-F238E27FC236}">
-                <a16:creationId xmlns:a16="http://schemas.microsoft.com/office/drawing/2014/main" id="{273EBCC4-7001-3148-2D4B-F26E6C8AF3C1}"/>
+          <p:cNvPr id="9" name="Picture 8">
+            <a:extLst>
+              <a:ext uri="{FF2B5EF4-FFF2-40B4-BE49-F238E27FC236}">
+                <a16:creationId xmlns:a16="http://schemas.microsoft.com/office/drawing/2014/main" id="{0AEC8823-DEDA-B65C-0A17-85EBF672A10D}"/>
               </a:ext>
             </a:extLst>
           </p:cNvPr>
@@ -4302,38 +4645,8 @@
         </p:blipFill>
         <p:spPr>
           <a:xfrm>
-            <a:off x="619035" y="1381514"/>
-            <a:ext cx="5052092" cy="5328704"/>
-          </a:xfrm>
-          <a:prstGeom prst="rect">
-            <a:avLst/>
-          </a:prstGeom>
-        </p:spPr>
-      </p:pic>
-      <p:pic>
-        <p:nvPicPr>
-          <p:cNvPr id="7" name="Picture 6">
-            <a:extLst>
-              <a:ext uri="{FF2B5EF4-FFF2-40B4-BE49-F238E27FC236}">
-                <a16:creationId xmlns:a16="http://schemas.microsoft.com/office/drawing/2014/main" id="{27790908-F9DA-ED26-2F6C-7FB17B74359A}"/>
-              </a:ext>
-            </a:extLst>
-          </p:cNvPr>
-          <p:cNvPicPr>
-            <a:picLocks noChangeAspect="1"/>
-          </p:cNvPicPr>
-          <p:nvPr/>
-        </p:nvPicPr>
-        <p:blipFill>
-          <a:blip r:embed="rId3"/>
-          <a:stretch>
-            <a:fillRect/>
-          </a:stretch>
-        </p:blipFill>
-        <p:spPr>
-          <a:xfrm>
-            <a:off x="5890292" y="1381514"/>
-            <a:ext cx="5052092" cy="5339439"/>
+            <a:off x="3150152" y="1164566"/>
+            <a:ext cx="5891695" cy="5037826"/>
           </a:xfrm>
           <a:prstGeom prst="rect">
             <a:avLst/>
@@ -4343,7 +4656,7 @@
     </p:spTree>
     <p:extLst>
       <p:ext uri="{BB962C8B-B14F-4D97-AF65-F5344CB8AC3E}">
-        <p14:creationId xmlns:p14="http://schemas.microsoft.com/office/powerpoint/2010/main" val="85637392"/>
+        <p14:creationId xmlns:p14="http://schemas.microsoft.com/office/powerpoint/2010/main" val="1002160172"/>
       </p:ext>
     </p:extLst>
   </p:cSld>
@@ -4388,7 +4701,7 @@
         </p:nvSpPr>
         <p:spPr>
           <a:xfrm>
-            <a:off x="838199" y="0"/>
+            <a:off x="838200" y="0"/>
             <a:ext cx="10515600" cy="1325563"/>
           </a:xfrm>
         </p:spPr>
@@ -4402,17 +4715,17 @@
             </a:r>
             <a:r>
               <a:rPr lang="en-US" dirty="0"/>
-              <a:t> Connectivity – R Studio</a:t>
+              <a:t> – Cloning Repositories </a:t>
             </a:r>
           </a:p>
         </p:txBody>
       </p:sp>
       <p:pic>
         <p:nvPicPr>
-          <p:cNvPr id="5" name="Picture 4">
-            <a:extLst>
-              <a:ext uri="{FF2B5EF4-FFF2-40B4-BE49-F238E27FC236}">
-                <a16:creationId xmlns:a16="http://schemas.microsoft.com/office/drawing/2014/main" id="{58A62645-797A-2E0C-8644-AF378CEFE2CB}"/>
+          <p:cNvPr id="9" name="Picture 8">
+            <a:extLst>
+              <a:ext uri="{FF2B5EF4-FFF2-40B4-BE49-F238E27FC236}">
+                <a16:creationId xmlns:a16="http://schemas.microsoft.com/office/drawing/2014/main" id="{0AEC8823-DEDA-B65C-0A17-85EBF672A10D}"/>
               </a:ext>
             </a:extLst>
           </p:cNvPr>
@@ -4429,8 +4742,8 @@
         </p:blipFill>
         <p:spPr>
           <a:xfrm>
-            <a:off x="997527" y="1387186"/>
-            <a:ext cx="10196945" cy="4939145"/>
+            <a:off x="3150152" y="1164566"/>
+            <a:ext cx="5891695" cy="5037826"/>
           </a:xfrm>
           <a:prstGeom prst="rect">
             <a:avLst/>
@@ -4440,7 +4753,7 @@
     </p:spTree>
     <p:extLst>
       <p:ext uri="{BB962C8B-B14F-4D97-AF65-F5344CB8AC3E}">
-        <p14:creationId xmlns:p14="http://schemas.microsoft.com/office/powerpoint/2010/main" val="1341809100"/>
+        <p14:creationId xmlns:p14="http://schemas.microsoft.com/office/powerpoint/2010/main" val="2059438619"/>
       </p:ext>
     </p:extLst>
   </p:cSld>
@@ -4499,7 +4812,7 @@
             </a:r>
             <a:r>
               <a:rPr lang="en-US" dirty="0"/>
-              <a:t> and R – Pre-modularization</a:t>
+              <a:t> – Cloning Repositories </a:t>
             </a:r>
           </a:p>
         </p:txBody>
@@ -4509,7 +4822,7 @@
           <p:cNvPr id="4" name="Picture 3">
             <a:extLst>
               <a:ext uri="{FF2B5EF4-FFF2-40B4-BE49-F238E27FC236}">
-                <a16:creationId xmlns:a16="http://schemas.microsoft.com/office/drawing/2014/main" id="{DD46FD99-13FC-61B5-C07D-4DCF88EA00E7}"/>
+                <a16:creationId xmlns:a16="http://schemas.microsoft.com/office/drawing/2014/main" id="{B21897ED-1E64-243E-0E84-34E66094CE3E}"/>
               </a:ext>
             </a:extLst>
           </p:cNvPr>
@@ -4526,38 +4839,8 @@
         </p:blipFill>
         <p:spPr>
           <a:xfrm>
-            <a:off x="577008" y="1523856"/>
-            <a:ext cx="5071491" cy="4909127"/>
-          </a:xfrm>
-          <a:prstGeom prst="rect">
-            <a:avLst/>
-          </a:prstGeom>
-        </p:spPr>
-      </p:pic>
-      <p:pic>
-        <p:nvPicPr>
-          <p:cNvPr id="7" name="Picture 6">
-            <a:extLst>
-              <a:ext uri="{FF2B5EF4-FFF2-40B4-BE49-F238E27FC236}">
-                <a16:creationId xmlns:a16="http://schemas.microsoft.com/office/drawing/2014/main" id="{0B9AAC8F-2B0F-B3B0-9F54-5A56C0D50E88}"/>
-              </a:ext>
-            </a:extLst>
-          </p:cNvPr>
-          <p:cNvPicPr>
-            <a:picLocks noChangeAspect="1"/>
-          </p:cNvPicPr>
-          <p:nvPr/>
-        </p:nvPicPr>
-        <p:blipFill>
-          <a:blip r:embed="rId3"/>
-          <a:stretch>
-            <a:fillRect/>
-          </a:stretch>
-        </p:blipFill>
-        <p:spPr>
-          <a:xfrm>
-            <a:off x="5909691" y="1610975"/>
-            <a:ext cx="5105656" cy="4822008"/>
+            <a:off x="2167860" y="1699491"/>
+            <a:ext cx="7856279" cy="4115193"/>
           </a:xfrm>
           <a:prstGeom prst="rect">
             <a:avLst/>
@@ -4567,7 +4850,7 @@
     </p:spTree>
     <p:extLst>
       <p:ext uri="{BB962C8B-B14F-4D97-AF65-F5344CB8AC3E}">
-        <p14:creationId xmlns:p14="http://schemas.microsoft.com/office/powerpoint/2010/main" val="2776588914"/>
+        <p14:creationId xmlns:p14="http://schemas.microsoft.com/office/powerpoint/2010/main" val="1025724494"/>
       </p:ext>
     </p:extLst>
   </p:cSld>
@@ -4626,17 +4909,25 @@
             </a:r>
             <a:r>
               <a:rPr lang="en-US" dirty="0"/>
-              <a:t> and R – Post-modularization</a:t>
+              <a:t> Connectivity – </a:t>
+            </a:r>
+            <a:r>
+              <a:rPr lang="en-US" dirty="0" err="1"/>
+              <a:t>Github</a:t>
+            </a:r>
+            <a:r>
+              <a:rPr lang="en-US" dirty="0"/>
+              <a:t> Desktop</a:t>
             </a:r>
           </a:p>
         </p:txBody>
       </p:sp>
       <p:pic>
         <p:nvPicPr>
-          <p:cNvPr id="5" name="Picture 4">
-            <a:extLst>
-              <a:ext uri="{FF2B5EF4-FFF2-40B4-BE49-F238E27FC236}">
-                <a16:creationId xmlns:a16="http://schemas.microsoft.com/office/drawing/2014/main" id="{331CBDB6-8BB1-22E0-D017-B5A75BDAA095}"/>
+          <p:cNvPr id="4" name="Picture 3">
+            <a:extLst>
+              <a:ext uri="{FF2B5EF4-FFF2-40B4-BE49-F238E27FC236}">
+                <a16:creationId xmlns:a16="http://schemas.microsoft.com/office/drawing/2014/main" id="{273EBCC4-7001-3148-2D4B-F26E6C8AF3C1}"/>
               </a:ext>
             </a:extLst>
           </p:cNvPr>
@@ -4653,8 +4944,8 @@
         </p:blipFill>
         <p:spPr>
           <a:xfrm>
-            <a:off x="270522" y="1160401"/>
-            <a:ext cx="5423603" cy="3513596"/>
+            <a:off x="619035" y="1381514"/>
+            <a:ext cx="5052092" cy="5328704"/>
           </a:xfrm>
           <a:prstGeom prst="rect">
             <a:avLst/>
@@ -4663,10 +4954,10 @@
       </p:pic>
       <p:pic>
         <p:nvPicPr>
-          <p:cNvPr id="8" name="Picture 7">
-            <a:extLst>
-              <a:ext uri="{FF2B5EF4-FFF2-40B4-BE49-F238E27FC236}">
-                <a16:creationId xmlns:a16="http://schemas.microsoft.com/office/drawing/2014/main" id="{4CF62CEF-074E-3804-0B36-E0B5B05B087F}"/>
+          <p:cNvPr id="7" name="Picture 6">
+            <a:extLst>
+              <a:ext uri="{FF2B5EF4-FFF2-40B4-BE49-F238E27FC236}">
+                <a16:creationId xmlns:a16="http://schemas.microsoft.com/office/drawing/2014/main" id="{27790908-F9DA-ED26-2F6C-7FB17B74359A}"/>
               </a:ext>
             </a:extLst>
           </p:cNvPr>
@@ -4683,38 +4974,8 @@
         </p:blipFill>
         <p:spPr>
           <a:xfrm>
-            <a:off x="5811885" y="1160401"/>
-            <a:ext cx="6109593" cy="3513596"/>
-          </a:xfrm>
-          <a:prstGeom prst="rect">
-            <a:avLst/>
-          </a:prstGeom>
-        </p:spPr>
-      </p:pic>
-      <p:pic>
-        <p:nvPicPr>
-          <p:cNvPr id="4" name="Picture 3">
-            <a:extLst>
-              <a:ext uri="{FF2B5EF4-FFF2-40B4-BE49-F238E27FC236}">
-                <a16:creationId xmlns:a16="http://schemas.microsoft.com/office/drawing/2014/main" id="{5A6C4954-ADE9-D9BA-7275-745E0269A994}"/>
-              </a:ext>
-            </a:extLst>
-          </p:cNvPr>
-          <p:cNvPicPr>
-            <a:picLocks noChangeAspect="1"/>
-          </p:cNvPicPr>
-          <p:nvPr/>
-        </p:nvPicPr>
-        <p:blipFill>
-          <a:blip r:embed="rId4"/>
-          <a:stretch>
-            <a:fillRect/>
-          </a:stretch>
-        </p:blipFill>
-        <p:spPr>
-          <a:xfrm>
-            <a:off x="2006503" y="4744565"/>
-            <a:ext cx="7610764" cy="2113435"/>
+            <a:off x="5890292" y="1381514"/>
+            <a:ext cx="5052092" cy="5339439"/>
           </a:xfrm>
           <a:prstGeom prst="rect">
             <a:avLst/>
@@ -4724,7 +4985,7 @@
     </p:spTree>
     <p:extLst>
       <p:ext uri="{BB962C8B-B14F-4D97-AF65-F5344CB8AC3E}">
-        <p14:creationId xmlns:p14="http://schemas.microsoft.com/office/powerpoint/2010/main" val="2027983058"/>
+        <p14:creationId xmlns:p14="http://schemas.microsoft.com/office/powerpoint/2010/main" val="85637392"/>
       </p:ext>
     </p:extLst>
   </p:cSld>
@@ -4769,7 +5030,7 @@
         </p:nvSpPr>
         <p:spPr>
           <a:xfrm>
-            <a:off x="838200" y="0"/>
+            <a:off x="838199" y="0"/>
             <a:ext cx="10515600" cy="1325563"/>
           </a:xfrm>
         </p:spPr>
@@ -4783,7 +5044,7 @@
             </a:r>
             <a:r>
               <a:rPr lang="en-US" dirty="0"/>
-              <a:t> and R – Post-modularization</a:t>
+              <a:t> Connectivity – R Studio</a:t>
             </a:r>
           </a:p>
         </p:txBody>
@@ -4793,7 +5054,7 @@
           <p:cNvPr id="5" name="Picture 4">
             <a:extLst>
               <a:ext uri="{FF2B5EF4-FFF2-40B4-BE49-F238E27FC236}">
-                <a16:creationId xmlns:a16="http://schemas.microsoft.com/office/drawing/2014/main" id="{331CBDB6-8BB1-22E0-D017-B5A75BDAA095}"/>
+                <a16:creationId xmlns:a16="http://schemas.microsoft.com/office/drawing/2014/main" id="{58A62645-797A-2E0C-8644-AF378CEFE2CB}"/>
               </a:ext>
             </a:extLst>
           </p:cNvPr>
@@ -4810,68 +5071,8 @@
         </p:blipFill>
         <p:spPr>
           <a:xfrm>
-            <a:off x="270522" y="1160401"/>
-            <a:ext cx="5423603" cy="3513596"/>
-          </a:xfrm>
-          <a:prstGeom prst="rect">
-            <a:avLst/>
-          </a:prstGeom>
-        </p:spPr>
-      </p:pic>
-      <p:pic>
-        <p:nvPicPr>
-          <p:cNvPr id="8" name="Picture 7">
-            <a:extLst>
-              <a:ext uri="{FF2B5EF4-FFF2-40B4-BE49-F238E27FC236}">
-                <a16:creationId xmlns:a16="http://schemas.microsoft.com/office/drawing/2014/main" id="{4CF62CEF-074E-3804-0B36-E0B5B05B087F}"/>
-              </a:ext>
-            </a:extLst>
-          </p:cNvPr>
-          <p:cNvPicPr>
-            <a:picLocks noChangeAspect="1"/>
-          </p:cNvPicPr>
-          <p:nvPr/>
-        </p:nvPicPr>
-        <p:blipFill>
-          <a:blip r:embed="rId3"/>
-          <a:stretch>
-            <a:fillRect/>
-          </a:stretch>
-        </p:blipFill>
-        <p:spPr>
-          <a:xfrm>
-            <a:off x="5811885" y="1160401"/>
-            <a:ext cx="6109593" cy="3513596"/>
-          </a:xfrm>
-          <a:prstGeom prst="rect">
-            <a:avLst/>
-          </a:prstGeom>
-        </p:spPr>
-      </p:pic>
-      <p:pic>
-        <p:nvPicPr>
-          <p:cNvPr id="4" name="Picture 3">
-            <a:extLst>
-              <a:ext uri="{FF2B5EF4-FFF2-40B4-BE49-F238E27FC236}">
-                <a16:creationId xmlns:a16="http://schemas.microsoft.com/office/drawing/2014/main" id="{5A6C4954-ADE9-D9BA-7275-745E0269A994}"/>
-              </a:ext>
-            </a:extLst>
-          </p:cNvPr>
-          <p:cNvPicPr>
-            <a:picLocks noChangeAspect="1"/>
-          </p:cNvPicPr>
-          <p:nvPr/>
-        </p:nvPicPr>
-        <p:blipFill>
-          <a:blip r:embed="rId4"/>
-          <a:stretch>
-            <a:fillRect/>
-          </a:stretch>
-        </p:blipFill>
-        <p:spPr>
-          <a:xfrm>
-            <a:off x="2006503" y="4744565"/>
-            <a:ext cx="7610764" cy="2113435"/>
+            <a:off x="997527" y="1387186"/>
+            <a:ext cx="10196945" cy="4939145"/>
           </a:xfrm>
           <a:prstGeom prst="rect">
             <a:avLst/>
@@ -4881,7 +5082,7 @@
     </p:spTree>
     <p:extLst>
       <p:ext uri="{BB962C8B-B14F-4D97-AF65-F5344CB8AC3E}">
-        <p14:creationId xmlns:p14="http://schemas.microsoft.com/office/powerpoint/2010/main" val="1435545465"/>
+        <p14:creationId xmlns:p14="http://schemas.microsoft.com/office/powerpoint/2010/main" val="1341809100"/>
       </p:ext>
     </p:extLst>
   </p:cSld>

--- a/Lab Git.pptx
+++ b/Lab Git.pptx
@@ -10,17 +10,15 @@
     <p:sldId id="262" r:id="rId4"/>
     <p:sldId id="263" r:id="rId5"/>
     <p:sldId id="270" r:id="rId6"/>
-    <p:sldId id="271" r:id="rId7"/>
-    <p:sldId id="272" r:id="rId8"/>
-    <p:sldId id="261" r:id="rId9"/>
-    <p:sldId id="258" r:id="rId10"/>
-    <p:sldId id="264" r:id="rId11"/>
-    <p:sldId id="266" r:id="rId12"/>
-    <p:sldId id="267" r:id="rId13"/>
-    <p:sldId id="268" r:id="rId14"/>
-    <p:sldId id="269" r:id="rId15"/>
-    <p:sldId id="259" r:id="rId16"/>
-    <p:sldId id="260" r:id="rId17"/>
+    <p:sldId id="272" r:id="rId7"/>
+    <p:sldId id="261" r:id="rId8"/>
+    <p:sldId id="258" r:id="rId9"/>
+    <p:sldId id="264" r:id="rId10"/>
+    <p:sldId id="267" r:id="rId11"/>
+    <p:sldId id="268" r:id="rId12"/>
+    <p:sldId id="269" r:id="rId13"/>
+    <p:sldId id="259" r:id="rId14"/>
+    <p:sldId id="260" r:id="rId15"/>
   </p:sldIdLst>
   <p:sldSz cx="12192000" cy="6858000"/>
   <p:notesSz cx="6858000" cy="9144000"/>
@@ -3471,17 +3469,17 @@
             </a:r>
             <a:r>
               <a:rPr lang="en-US" dirty="0"/>
-              <a:t> and R – Pre-modularization</a:t>
+              <a:t> and R – Post-modularization</a:t>
             </a:r>
           </a:p>
         </p:txBody>
       </p:sp>
       <p:pic>
         <p:nvPicPr>
-          <p:cNvPr id="4" name="Picture 3">
-            <a:extLst>
-              <a:ext uri="{FF2B5EF4-FFF2-40B4-BE49-F238E27FC236}">
-                <a16:creationId xmlns:a16="http://schemas.microsoft.com/office/drawing/2014/main" id="{DD46FD99-13FC-61B5-C07D-4DCF88EA00E7}"/>
+          <p:cNvPr id="5" name="Picture 4">
+            <a:extLst>
+              <a:ext uri="{FF2B5EF4-FFF2-40B4-BE49-F238E27FC236}">
+                <a16:creationId xmlns:a16="http://schemas.microsoft.com/office/drawing/2014/main" id="{331CBDB6-8BB1-22E0-D017-B5A75BDAA095}"/>
               </a:ext>
             </a:extLst>
           </p:cNvPr>
@@ -3498,8 +3496,8 @@
         </p:blipFill>
         <p:spPr>
           <a:xfrm>
-            <a:off x="577008" y="1523856"/>
-            <a:ext cx="5071491" cy="4909127"/>
+            <a:off x="270522" y="1160401"/>
+            <a:ext cx="5423603" cy="3513596"/>
           </a:xfrm>
           <a:prstGeom prst="rect">
             <a:avLst/>
@@ -3508,10 +3506,10 @@
       </p:pic>
       <p:pic>
         <p:nvPicPr>
-          <p:cNvPr id="7" name="Picture 6">
-            <a:extLst>
-              <a:ext uri="{FF2B5EF4-FFF2-40B4-BE49-F238E27FC236}">
-                <a16:creationId xmlns:a16="http://schemas.microsoft.com/office/drawing/2014/main" id="{0B9AAC8F-2B0F-B3B0-9F54-5A56C0D50E88}"/>
+          <p:cNvPr id="8" name="Picture 7">
+            <a:extLst>
+              <a:ext uri="{FF2B5EF4-FFF2-40B4-BE49-F238E27FC236}">
+                <a16:creationId xmlns:a16="http://schemas.microsoft.com/office/drawing/2014/main" id="{4CF62CEF-074E-3804-0B36-E0B5B05B087F}"/>
               </a:ext>
             </a:extLst>
           </p:cNvPr>
@@ -3528,8 +3526,38 @@
         </p:blipFill>
         <p:spPr>
           <a:xfrm>
-            <a:off x="5909691" y="1610975"/>
-            <a:ext cx="5105656" cy="4822008"/>
+            <a:off x="5811885" y="1160401"/>
+            <a:ext cx="6109593" cy="3513596"/>
+          </a:xfrm>
+          <a:prstGeom prst="rect">
+            <a:avLst/>
+          </a:prstGeom>
+        </p:spPr>
+      </p:pic>
+      <p:pic>
+        <p:nvPicPr>
+          <p:cNvPr id="4" name="Picture 3">
+            <a:extLst>
+              <a:ext uri="{FF2B5EF4-FFF2-40B4-BE49-F238E27FC236}">
+                <a16:creationId xmlns:a16="http://schemas.microsoft.com/office/drawing/2014/main" id="{5A6C4954-ADE9-D9BA-7275-745E0269A994}"/>
+              </a:ext>
+            </a:extLst>
+          </p:cNvPr>
+          <p:cNvPicPr>
+            <a:picLocks noChangeAspect="1"/>
+          </p:cNvPicPr>
+          <p:nvPr/>
+        </p:nvPicPr>
+        <p:blipFill>
+          <a:blip r:embed="rId4"/>
+          <a:stretch>
+            <a:fillRect/>
+          </a:stretch>
+        </p:blipFill>
+        <p:spPr>
+          <a:xfrm>
+            <a:off x="2006503" y="4744565"/>
+            <a:ext cx="7610764" cy="2113435"/>
           </a:xfrm>
           <a:prstGeom prst="rect">
             <a:avLst/>
@@ -3539,7 +3567,7 @@
     </p:spTree>
     <p:extLst>
       <p:ext uri="{BB962C8B-B14F-4D97-AF65-F5344CB8AC3E}">
-        <p14:creationId xmlns:p14="http://schemas.microsoft.com/office/powerpoint/2010/main" val="2776588914"/>
+        <p14:creationId xmlns:p14="http://schemas.microsoft.com/office/powerpoint/2010/main" val="1435545465"/>
       </p:ext>
     </p:extLst>
   </p:cSld>
@@ -3605,10 +3633,10 @@
       </p:sp>
       <p:pic>
         <p:nvPicPr>
-          <p:cNvPr id="5" name="Picture 4">
-            <a:extLst>
-              <a:ext uri="{FF2B5EF4-FFF2-40B4-BE49-F238E27FC236}">
-                <a16:creationId xmlns:a16="http://schemas.microsoft.com/office/drawing/2014/main" id="{331CBDB6-8BB1-22E0-D017-B5A75BDAA095}"/>
+          <p:cNvPr id="6" name="Picture 5">
+            <a:extLst>
+              <a:ext uri="{FF2B5EF4-FFF2-40B4-BE49-F238E27FC236}">
+                <a16:creationId xmlns:a16="http://schemas.microsoft.com/office/drawing/2014/main" id="{29F27011-6F9B-96CD-D9C6-1FDC3D91322E}"/>
               </a:ext>
             </a:extLst>
           </p:cNvPr>
@@ -3625,8 +3653,8 @@
         </p:blipFill>
         <p:spPr>
           <a:xfrm>
-            <a:off x="270522" y="1160401"/>
-            <a:ext cx="5423603" cy="3513596"/>
+            <a:off x="120073" y="2359299"/>
+            <a:ext cx="5801675" cy="3429001"/>
           </a:xfrm>
           <a:prstGeom prst="rect">
             <a:avLst/>
@@ -3635,10 +3663,10 @@
       </p:pic>
       <p:pic>
         <p:nvPicPr>
-          <p:cNvPr id="8" name="Picture 7">
-            <a:extLst>
-              <a:ext uri="{FF2B5EF4-FFF2-40B4-BE49-F238E27FC236}">
-                <a16:creationId xmlns:a16="http://schemas.microsoft.com/office/drawing/2014/main" id="{4CF62CEF-074E-3804-0B36-E0B5B05B087F}"/>
+          <p:cNvPr id="9" name="Picture 8">
+            <a:extLst>
+              <a:ext uri="{FF2B5EF4-FFF2-40B4-BE49-F238E27FC236}">
+                <a16:creationId xmlns:a16="http://schemas.microsoft.com/office/drawing/2014/main" id="{9521C3CA-3992-8A51-D337-A8F35C89F507}"/>
               </a:ext>
             </a:extLst>
           </p:cNvPr>
@@ -3655,38 +3683,8 @@
         </p:blipFill>
         <p:spPr>
           <a:xfrm>
-            <a:off x="5811885" y="1160401"/>
-            <a:ext cx="6109593" cy="3513596"/>
-          </a:xfrm>
-          <a:prstGeom prst="rect">
-            <a:avLst/>
-          </a:prstGeom>
-        </p:spPr>
-      </p:pic>
-      <p:pic>
-        <p:nvPicPr>
-          <p:cNvPr id="4" name="Picture 3">
-            <a:extLst>
-              <a:ext uri="{FF2B5EF4-FFF2-40B4-BE49-F238E27FC236}">
-                <a16:creationId xmlns:a16="http://schemas.microsoft.com/office/drawing/2014/main" id="{5A6C4954-ADE9-D9BA-7275-745E0269A994}"/>
-              </a:ext>
-            </a:extLst>
-          </p:cNvPr>
-          <p:cNvPicPr>
-            <a:picLocks noChangeAspect="1"/>
-          </p:cNvPicPr>
-          <p:nvPr/>
-        </p:nvPicPr>
-        <p:blipFill>
-          <a:blip r:embed="rId4"/>
-          <a:stretch>
-            <a:fillRect/>
-          </a:stretch>
-        </p:blipFill>
-        <p:spPr>
-          <a:xfrm>
-            <a:off x="2006503" y="4744565"/>
-            <a:ext cx="7610764" cy="2113435"/>
+            <a:off x="6270059" y="2359301"/>
+            <a:ext cx="5801868" cy="3429000"/>
           </a:xfrm>
           <a:prstGeom prst="rect">
             <a:avLst/>
@@ -3696,7 +3694,7 @@
     </p:spTree>
     <p:extLst>
       <p:ext uri="{BB962C8B-B14F-4D97-AF65-F5344CB8AC3E}">
-        <p14:creationId xmlns:p14="http://schemas.microsoft.com/office/powerpoint/2010/main" val="2027983058"/>
+        <p14:creationId xmlns:p14="http://schemas.microsoft.com/office/powerpoint/2010/main" val="1529048430"/>
       </p:ext>
     </p:extLst>
   </p:cSld>
@@ -3762,10 +3760,10 @@
       </p:sp>
       <p:pic>
         <p:nvPicPr>
-          <p:cNvPr id="5" name="Picture 4">
-            <a:extLst>
-              <a:ext uri="{FF2B5EF4-FFF2-40B4-BE49-F238E27FC236}">
-                <a16:creationId xmlns:a16="http://schemas.microsoft.com/office/drawing/2014/main" id="{331CBDB6-8BB1-22E0-D017-B5A75BDAA095}"/>
+          <p:cNvPr id="4" name="Picture 3">
+            <a:extLst>
+              <a:ext uri="{FF2B5EF4-FFF2-40B4-BE49-F238E27FC236}">
+                <a16:creationId xmlns:a16="http://schemas.microsoft.com/office/drawing/2014/main" id="{43CF2F23-A2D8-90DC-99C9-C7AD2BCE9326}"/>
               </a:ext>
             </a:extLst>
           </p:cNvPr>
@@ -3782,68 +3780,8 @@
         </p:blipFill>
         <p:spPr>
           <a:xfrm>
-            <a:off x="270522" y="1160401"/>
-            <a:ext cx="5423603" cy="3513596"/>
-          </a:xfrm>
-          <a:prstGeom prst="rect">
-            <a:avLst/>
-          </a:prstGeom>
-        </p:spPr>
-      </p:pic>
-      <p:pic>
-        <p:nvPicPr>
-          <p:cNvPr id="8" name="Picture 7">
-            <a:extLst>
-              <a:ext uri="{FF2B5EF4-FFF2-40B4-BE49-F238E27FC236}">
-                <a16:creationId xmlns:a16="http://schemas.microsoft.com/office/drawing/2014/main" id="{4CF62CEF-074E-3804-0B36-E0B5B05B087F}"/>
-              </a:ext>
-            </a:extLst>
-          </p:cNvPr>
-          <p:cNvPicPr>
-            <a:picLocks noChangeAspect="1"/>
-          </p:cNvPicPr>
-          <p:nvPr/>
-        </p:nvPicPr>
-        <p:blipFill>
-          <a:blip r:embed="rId3"/>
-          <a:stretch>
-            <a:fillRect/>
-          </a:stretch>
-        </p:blipFill>
-        <p:spPr>
-          <a:xfrm>
-            <a:off x="5811885" y="1160401"/>
-            <a:ext cx="6109593" cy="3513596"/>
-          </a:xfrm>
-          <a:prstGeom prst="rect">
-            <a:avLst/>
-          </a:prstGeom>
-        </p:spPr>
-      </p:pic>
-      <p:pic>
-        <p:nvPicPr>
-          <p:cNvPr id="4" name="Picture 3">
-            <a:extLst>
-              <a:ext uri="{FF2B5EF4-FFF2-40B4-BE49-F238E27FC236}">
-                <a16:creationId xmlns:a16="http://schemas.microsoft.com/office/drawing/2014/main" id="{5A6C4954-ADE9-D9BA-7275-745E0269A994}"/>
-              </a:ext>
-            </a:extLst>
-          </p:cNvPr>
-          <p:cNvPicPr>
-            <a:picLocks noChangeAspect="1"/>
-          </p:cNvPicPr>
-          <p:nvPr/>
-        </p:nvPicPr>
-        <p:blipFill>
-          <a:blip r:embed="rId4"/>
-          <a:stretch>
-            <a:fillRect/>
-          </a:stretch>
-        </p:blipFill>
-        <p:spPr>
-          <a:xfrm>
-            <a:off x="2006503" y="4744565"/>
-            <a:ext cx="7610764" cy="2113435"/>
+            <a:off x="2081941" y="1397529"/>
+            <a:ext cx="8028117" cy="4750410"/>
           </a:xfrm>
           <a:prstGeom prst="rect">
             <a:avLst/>
@@ -3853,7 +3791,7 @@
     </p:spTree>
     <p:extLst>
       <p:ext uri="{BB962C8B-B14F-4D97-AF65-F5344CB8AC3E}">
-        <p14:creationId xmlns:p14="http://schemas.microsoft.com/office/powerpoint/2010/main" val="1435545465"/>
+        <p14:creationId xmlns:p14="http://schemas.microsoft.com/office/powerpoint/2010/main" val="2472556078"/>
       </p:ext>
     </p:extLst>
   </p:cSld>
@@ -3898,230 +3836,6 @@
         </p:nvSpPr>
         <p:spPr>
           <a:xfrm>
-            <a:off x="838200" y="0"/>
-            <a:ext cx="10515600" cy="1325563"/>
-          </a:xfrm>
-        </p:spPr>
-        <p:txBody>
-          <a:bodyPr/>
-          <a:lstStyle/>
-          <a:p>
-            <a:r>
-              <a:rPr lang="en-US" dirty="0" err="1"/>
-              <a:t>Github</a:t>
-            </a:r>
-            <a:r>
-              <a:rPr lang="en-US" dirty="0"/>
-              <a:t> and R – Post-modularization</a:t>
-            </a:r>
-          </a:p>
-        </p:txBody>
-      </p:sp>
-      <p:pic>
-        <p:nvPicPr>
-          <p:cNvPr id="6" name="Picture 5">
-            <a:extLst>
-              <a:ext uri="{FF2B5EF4-FFF2-40B4-BE49-F238E27FC236}">
-                <a16:creationId xmlns:a16="http://schemas.microsoft.com/office/drawing/2014/main" id="{29F27011-6F9B-96CD-D9C6-1FDC3D91322E}"/>
-              </a:ext>
-            </a:extLst>
-          </p:cNvPr>
-          <p:cNvPicPr>
-            <a:picLocks noChangeAspect="1"/>
-          </p:cNvPicPr>
-          <p:nvPr/>
-        </p:nvPicPr>
-        <p:blipFill>
-          <a:blip r:embed="rId2"/>
-          <a:stretch>
-            <a:fillRect/>
-          </a:stretch>
-        </p:blipFill>
-        <p:spPr>
-          <a:xfrm>
-            <a:off x="120073" y="2359299"/>
-            <a:ext cx="5801675" cy="3429001"/>
-          </a:xfrm>
-          <a:prstGeom prst="rect">
-            <a:avLst/>
-          </a:prstGeom>
-        </p:spPr>
-      </p:pic>
-      <p:pic>
-        <p:nvPicPr>
-          <p:cNvPr id="9" name="Picture 8">
-            <a:extLst>
-              <a:ext uri="{FF2B5EF4-FFF2-40B4-BE49-F238E27FC236}">
-                <a16:creationId xmlns:a16="http://schemas.microsoft.com/office/drawing/2014/main" id="{9521C3CA-3992-8A51-D337-A8F35C89F507}"/>
-              </a:ext>
-            </a:extLst>
-          </p:cNvPr>
-          <p:cNvPicPr>
-            <a:picLocks noChangeAspect="1"/>
-          </p:cNvPicPr>
-          <p:nvPr/>
-        </p:nvPicPr>
-        <p:blipFill>
-          <a:blip r:embed="rId3"/>
-          <a:stretch>
-            <a:fillRect/>
-          </a:stretch>
-        </p:blipFill>
-        <p:spPr>
-          <a:xfrm>
-            <a:off x="6270059" y="2359301"/>
-            <a:ext cx="5801868" cy="3429000"/>
-          </a:xfrm>
-          <a:prstGeom prst="rect">
-            <a:avLst/>
-          </a:prstGeom>
-        </p:spPr>
-      </p:pic>
-    </p:spTree>
-    <p:extLst>
-      <p:ext uri="{BB962C8B-B14F-4D97-AF65-F5344CB8AC3E}">
-        <p14:creationId xmlns:p14="http://schemas.microsoft.com/office/powerpoint/2010/main" val="1529048430"/>
-      </p:ext>
-    </p:extLst>
-  </p:cSld>
-  <p:clrMapOvr>
-    <a:masterClrMapping/>
-  </p:clrMapOvr>
-</p:sld>
-</file>
-
-<file path=ppt/slides/slide14.xml><?xml version="1.0" encoding="utf-8"?>
-<p:sld xmlns:a="http://schemas.openxmlformats.org/drawingml/2006/main" xmlns:r="http://schemas.openxmlformats.org/officeDocument/2006/relationships" xmlns:p="http://schemas.openxmlformats.org/presentationml/2006/main">
-  <p:cSld>
-    <p:spTree>
-      <p:nvGrpSpPr>
-        <p:cNvPr id="1" name=""/>
-        <p:cNvGrpSpPr/>
-        <p:nvPr/>
-      </p:nvGrpSpPr>
-      <p:grpSpPr>
-        <a:xfrm>
-          <a:off x="0" y="0"/>
-          <a:ext cx="0" cy="0"/>
-          <a:chOff x="0" y="0"/>
-          <a:chExt cx="0" cy="0"/>
-        </a:xfrm>
-      </p:grpSpPr>
-      <p:sp>
-        <p:nvSpPr>
-          <p:cNvPr id="2" name="Title 1">
-            <a:extLst>
-              <a:ext uri="{FF2B5EF4-FFF2-40B4-BE49-F238E27FC236}">
-                <a16:creationId xmlns:a16="http://schemas.microsoft.com/office/drawing/2014/main" id="{DCDA2D8B-E6C7-2A5B-25D0-B72E5253EE72}"/>
-              </a:ext>
-            </a:extLst>
-          </p:cNvPr>
-          <p:cNvSpPr>
-            <a:spLocks noGrp="1"/>
-          </p:cNvSpPr>
-          <p:nvPr>
-            <p:ph type="title"/>
-          </p:nvPr>
-        </p:nvSpPr>
-        <p:spPr>
-          <a:xfrm>
-            <a:off x="838200" y="0"/>
-            <a:ext cx="10515600" cy="1325563"/>
-          </a:xfrm>
-        </p:spPr>
-        <p:txBody>
-          <a:bodyPr/>
-          <a:lstStyle/>
-          <a:p>
-            <a:r>
-              <a:rPr lang="en-US" dirty="0" err="1"/>
-              <a:t>Github</a:t>
-            </a:r>
-            <a:r>
-              <a:rPr lang="en-US" dirty="0"/>
-              <a:t> and R – Post-modularization</a:t>
-            </a:r>
-          </a:p>
-        </p:txBody>
-      </p:sp>
-      <p:pic>
-        <p:nvPicPr>
-          <p:cNvPr id="4" name="Picture 3">
-            <a:extLst>
-              <a:ext uri="{FF2B5EF4-FFF2-40B4-BE49-F238E27FC236}">
-                <a16:creationId xmlns:a16="http://schemas.microsoft.com/office/drawing/2014/main" id="{43CF2F23-A2D8-90DC-99C9-C7AD2BCE9326}"/>
-              </a:ext>
-            </a:extLst>
-          </p:cNvPr>
-          <p:cNvPicPr>
-            <a:picLocks noChangeAspect="1"/>
-          </p:cNvPicPr>
-          <p:nvPr/>
-        </p:nvPicPr>
-        <p:blipFill>
-          <a:blip r:embed="rId2"/>
-          <a:stretch>
-            <a:fillRect/>
-          </a:stretch>
-        </p:blipFill>
-        <p:spPr>
-          <a:xfrm>
-            <a:off x="2081941" y="1397529"/>
-            <a:ext cx="8028117" cy="4750410"/>
-          </a:xfrm>
-          <a:prstGeom prst="rect">
-            <a:avLst/>
-          </a:prstGeom>
-        </p:spPr>
-      </p:pic>
-    </p:spTree>
-    <p:extLst>
-      <p:ext uri="{BB962C8B-B14F-4D97-AF65-F5344CB8AC3E}">
-        <p14:creationId xmlns:p14="http://schemas.microsoft.com/office/powerpoint/2010/main" val="2472556078"/>
-      </p:ext>
-    </p:extLst>
-  </p:cSld>
-  <p:clrMapOvr>
-    <a:masterClrMapping/>
-  </p:clrMapOvr>
-</p:sld>
-</file>
-
-<file path=ppt/slides/slide15.xml><?xml version="1.0" encoding="utf-8"?>
-<p:sld xmlns:a="http://schemas.openxmlformats.org/drawingml/2006/main" xmlns:r="http://schemas.openxmlformats.org/officeDocument/2006/relationships" xmlns:p="http://schemas.openxmlformats.org/presentationml/2006/main">
-  <p:cSld>
-    <p:spTree>
-      <p:nvGrpSpPr>
-        <p:cNvPr id="1" name=""/>
-        <p:cNvGrpSpPr/>
-        <p:nvPr/>
-      </p:nvGrpSpPr>
-      <p:grpSpPr>
-        <a:xfrm>
-          <a:off x="0" y="0"/>
-          <a:ext cx="0" cy="0"/>
-          <a:chOff x="0" y="0"/>
-          <a:chExt cx="0" cy="0"/>
-        </a:xfrm>
-      </p:grpSpPr>
-      <p:sp>
-        <p:nvSpPr>
-          <p:cNvPr id="2" name="Title 1">
-            <a:extLst>
-              <a:ext uri="{FF2B5EF4-FFF2-40B4-BE49-F238E27FC236}">
-                <a16:creationId xmlns:a16="http://schemas.microsoft.com/office/drawing/2014/main" id="{DCDA2D8B-E6C7-2A5B-25D0-B72E5253EE72}"/>
-              </a:ext>
-            </a:extLst>
-          </p:cNvPr>
-          <p:cNvSpPr>
-            <a:spLocks noGrp="1"/>
-          </p:cNvSpPr>
-          <p:nvPr>
-            <p:ph type="title"/>
-          </p:nvPr>
-        </p:nvSpPr>
-        <p:spPr>
-          <a:xfrm>
             <a:off x="838199" y="0"/>
             <a:ext cx="10515600" cy="1325563"/>
           </a:xfrm>
@@ -4184,7 +3898,7 @@
 </p:sld>
 </file>
 
-<file path=ppt/slides/slide16.xml><?xml version="1.0" encoding="utf-8"?>
+<file path=ppt/slides/slide14.xml><?xml version="1.0" encoding="utf-8"?>
 <p:sld xmlns:a="http://schemas.openxmlformats.org/drawingml/2006/main" xmlns:r="http://schemas.openxmlformats.org/officeDocument/2006/relationships" xmlns:p="http://schemas.openxmlformats.org/presentationml/2006/main">
   <p:cSld>
     <p:spTree>
@@ -4722,10 +4436,10 @@
       </p:sp>
       <p:pic>
         <p:nvPicPr>
-          <p:cNvPr id="9" name="Picture 8">
-            <a:extLst>
-              <a:ext uri="{FF2B5EF4-FFF2-40B4-BE49-F238E27FC236}">
-                <a16:creationId xmlns:a16="http://schemas.microsoft.com/office/drawing/2014/main" id="{0AEC8823-DEDA-B65C-0A17-85EBF672A10D}"/>
+          <p:cNvPr id="4" name="Picture 3">
+            <a:extLst>
+              <a:ext uri="{FF2B5EF4-FFF2-40B4-BE49-F238E27FC236}">
+                <a16:creationId xmlns:a16="http://schemas.microsoft.com/office/drawing/2014/main" id="{B21897ED-1E64-243E-0E84-34E66094CE3E}"/>
               </a:ext>
             </a:extLst>
           </p:cNvPr>
@@ -4742,8 +4456,8 @@
         </p:blipFill>
         <p:spPr>
           <a:xfrm>
-            <a:off x="3150152" y="1164566"/>
-            <a:ext cx="5891695" cy="5037826"/>
+            <a:off x="2167860" y="1699491"/>
+            <a:ext cx="7856279" cy="4115193"/>
           </a:xfrm>
           <a:prstGeom prst="rect">
             <a:avLst/>
@@ -4753,7 +4467,7 @@
     </p:spTree>
     <p:extLst>
       <p:ext uri="{BB962C8B-B14F-4D97-AF65-F5344CB8AC3E}">
-        <p14:creationId xmlns:p14="http://schemas.microsoft.com/office/powerpoint/2010/main" val="2059438619"/>
+        <p14:creationId xmlns:p14="http://schemas.microsoft.com/office/powerpoint/2010/main" val="1025724494"/>
       </p:ext>
     </p:extLst>
   </p:cSld>
@@ -4812,7 +4526,15 @@
             </a:r>
             <a:r>
               <a:rPr lang="en-US" dirty="0"/>
-              <a:t> – Cloning Repositories </a:t>
+              <a:t> Connectivity – </a:t>
+            </a:r>
+            <a:r>
+              <a:rPr lang="en-US" dirty="0" err="1"/>
+              <a:t>Github</a:t>
+            </a:r>
+            <a:r>
+              <a:rPr lang="en-US" dirty="0"/>
+              <a:t> Desktop</a:t>
             </a:r>
           </a:p>
         </p:txBody>
@@ -4822,7 +4544,7 @@
           <p:cNvPr id="4" name="Picture 3">
             <a:extLst>
               <a:ext uri="{FF2B5EF4-FFF2-40B4-BE49-F238E27FC236}">
-                <a16:creationId xmlns:a16="http://schemas.microsoft.com/office/drawing/2014/main" id="{B21897ED-1E64-243E-0E84-34E66094CE3E}"/>
+                <a16:creationId xmlns:a16="http://schemas.microsoft.com/office/drawing/2014/main" id="{273EBCC4-7001-3148-2D4B-F26E6C8AF3C1}"/>
               </a:ext>
             </a:extLst>
           </p:cNvPr>
@@ -4839,8 +4561,38 @@
         </p:blipFill>
         <p:spPr>
           <a:xfrm>
-            <a:off x="2167860" y="1699491"/>
-            <a:ext cx="7856279" cy="4115193"/>
+            <a:off x="619035" y="1381514"/>
+            <a:ext cx="5052092" cy="5328704"/>
+          </a:xfrm>
+          <a:prstGeom prst="rect">
+            <a:avLst/>
+          </a:prstGeom>
+        </p:spPr>
+      </p:pic>
+      <p:pic>
+        <p:nvPicPr>
+          <p:cNvPr id="7" name="Picture 6">
+            <a:extLst>
+              <a:ext uri="{FF2B5EF4-FFF2-40B4-BE49-F238E27FC236}">
+                <a16:creationId xmlns:a16="http://schemas.microsoft.com/office/drawing/2014/main" id="{27790908-F9DA-ED26-2F6C-7FB17B74359A}"/>
+              </a:ext>
+            </a:extLst>
+          </p:cNvPr>
+          <p:cNvPicPr>
+            <a:picLocks noChangeAspect="1"/>
+          </p:cNvPicPr>
+          <p:nvPr/>
+        </p:nvPicPr>
+        <p:blipFill>
+          <a:blip r:embed="rId3"/>
+          <a:stretch>
+            <a:fillRect/>
+          </a:stretch>
+        </p:blipFill>
+        <p:spPr>
+          <a:xfrm>
+            <a:off x="5890292" y="1381514"/>
+            <a:ext cx="5052092" cy="5339439"/>
           </a:xfrm>
           <a:prstGeom prst="rect">
             <a:avLst/>
@@ -4850,7 +4602,7 @@
     </p:spTree>
     <p:extLst>
       <p:ext uri="{BB962C8B-B14F-4D97-AF65-F5344CB8AC3E}">
-        <p14:creationId xmlns:p14="http://schemas.microsoft.com/office/powerpoint/2010/main" val="1025724494"/>
+        <p14:creationId xmlns:p14="http://schemas.microsoft.com/office/powerpoint/2010/main" val="85637392"/>
       </p:ext>
     </p:extLst>
   </p:cSld>
@@ -4895,7 +4647,7 @@
         </p:nvSpPr>
         <p:spPr>
           <a:xfrm>
-            <a:off x="838200" y="0"/>
+            <a:off x="838199" y="0"/>
             <a:ext cx="10515600" cy="1325563"/>
           </a:xfrm>
         </p:spPr>
@@ -4909,25 +4661,17 @@
             </a:r>
             <a:r>
               <a:rPr lang="en-US" dirty="0"/>
-              <a:t> Connectivity – </a:t>
-            </a:r>
-            <a:r>
-              <a:rPr lang="en-US" dirty="0" err="1"/>
-              <a:t>Github</a:t>
-            </a:r>
-            <a:r>
-              <a:rPr lang="en-US" dirty="0"/>
-              <a:t> Desktop</a:t>
+              <a:t> Connectivity – R Studio</a:t>
             </a:r>
           </a:p>
         </p:txBody>
       </p:sp>
       <p:pic>
         <p:nvPicPr>
-          <p:cNvPr id="4" name="Picture 3">
-            <a:extLst>
-              <a:ext uri="{FF2B5EF4-FFF2-40B4-BE49-F238E27FC236}">
-                <a16:creationId xmlns:a16="http://schemas.microsoft.com/office/drawing/2014/main" id="{273EBCC4-7001-3148-2D4B-F26E6C8AF3C1}"/>
+          <p:cNvPr id="5" name="Picture 4">
+            <a:extLst>
+              <a:ext uri="{FF2B5EF4-FFF2-40B4-BE49-F238E27FC236}">
+                <a16:creationId xmlns:a16="http://schemas.microsoft.com/office/drawing/2014/main" id="{58A62645-797A-2E0C-8644-AF378CEFE2CB}"/>
               </a:ext>
             </a:extLst>
           </p:cNvPr>
@@ -4944,38 +4688,8 @@
         </p:blipFill>
         <p:spPr>
           <a:xfrm>
-            <a:off x="619035" y="1381514"/>
-            <a:ext cx="5052092" cy="5328704"/>
-          </a:xfrm>
-          <a:prstGeom prst="rect">
-            <a:avLst/>
-          </a:prstGeom>
-        </p:spPr>
-      </p:pic>
-      <p:pic>
-        <p:nvPicPr>
-          <p:cNvPr id="7" name="Picture 6">
-            <a:extLst>
-              <a:ext uri="{FF2B5EF4-FFF2-40B4-BE49-F238E27FC236}">
-                <a16:creationId xmlns:a16="http://schemas.microsoft.com/office/drawing/2014/main" id="{27790908-F9DA-ED26-2F6C-7FB17B74359A}"/>
-              </a:ext>
-            </a:extLst>
-          </p:cNvPr>
-          <p:cNvPicPr>
-            <a:picLocks noChangeAspect="1"/>
-          </p:cNvPicPr>
-          <p:nvPr/>
-        </p:nvPicPr>
-        <p:blipFill>
-          <a:blip r:embed="rId3"/>
-          <a:stretch>
-            <a:fillRect/>
-          </a:stretch>
-        </p:blipFill>
-        <p:spPr>
-          <a:xfrm>
-            <a:off x="5890292" y="1381514"/>
-            <a:ext cx="5052092" cy="5339439"/>
+            <a:off x="997527" y="1387186"/>
+            <a:ext cx="10196945" cy="4939145"/>
           </a:xfrm>
           <a:prstGeom prst="rect">
             <a:avLst/>
@@ -4985,7 +4699,7 @@
     </p:spTree>
     <p:extLst>
       <p:ext uri="{BB962C8B-B14F-4D97-AF65-F5344CB8AC3E}">
-        <p14:creationId xmlns:p14="http://schemas.microsoft.com/office/powerpoint/2010/main" val="85637392"/>
+        <p14:creationId xmlns:p14="http://schemas.microsoft.com/office/powerpoint/2010/main" val="1341809100"/>
       </p:ext>
     </p:extLst>
   </p:cSld>
@@ -5030,7 +4744,7 @@
         </p:nvSpPr>
         <p:spPr>
           <a:xfrm>
-            <a:off x="838199" y="0"/>
+            <a:off x="838200" y="0"/>
             <a:ext cx="10515600" cy="1325563"/>
           </a:xfrm>
         </p:spPr>
@@ -5044,17 +4758,17 @@
             </a:r>
             <a:r>
               <a:rPr lang="en-US" dirty="0"/>
-              <a:t> Connectivity – R Studio</a:t>
+              <a:t> and R – Pre-modularization</a:t>
             </a:r>
           </a:p>
         </p:txBody>
       </p:sp>
       <p:pic>
         <p:nvPicPr>
-          <p:cNvPr id="5" name="Picture 4">
-            <a:extLst>
-              <a:ext uri="{FF2B5EF4-FFF2-40B4-BE49-F238E27FC236}">
-                <a16:creationId xmlns:a16="http://schemas.microsoft.com/office/drawing/2014/main" id="{58A62645-797A-2E0C-8644-AF378CEFE2CB}"/>
+          <p:cNvPr id="4" name="Picture 3">
+            <a:extLst>
+              <a:ext uri="{FF2B5EF4-FFF2-40B4-BE49-F238E27FC236}">
+                <a16:creationId xmlns:a16="http://schemas.microsoft.com/office/drawing/2014/main" id="{DD46FD99-13FC-61B5-C07D-4DCF88EA00E7}"/>
               </a:ext>
             </a:extLst>
           </p:cNvPr>
@@ -5071,8 +4785,38 @@
         </p:blipFill>
         <p:spPr>
           <a:xfrm>
-            <a:off x="997527" y="1387186"/>
-            <a:ext cx="10196945" cy="4939145"/>
+            <a:off x="577008" y="1523856"/>
+            <a:ext cx="5071491" cy="4909127"/>
+          </a:xfrm>
+          <a:prstGeom prst="rect">
+            <a:avLst/>
+          </a:prstGeom>
+        </p:spPr>
+      </p:pic>
+      <p:pic>
+        <p:nvPicPr>
+          <p:cNvPr id="7" name="Picture 6">
+            <a:extLst>
+              <a:ext uri="{FF2B5EF4-FFF2-40B4-BE49-F238E27FC236}">
+                <a16:creationId xmlns:a16="http://schemas.microsoft.com/office/drawing/2014/main" id="{0B9AAC8F-2B0F-B3B0-9F54-5A56C0D50E88}"/>
+              </a:ext>
+            </a:extLst>
+          </p:cNvPr>
+          <p:cNvPicPr>
+            <a:picLocks noChangeAspect="1"/>
+          </p:cNvPicPr>
+          <p:nvPr/>
+        </p:nvPicPr>
+        <p:blipFill>
+          <a:blip r:embed="rId3"/>
+          <a:stretch>
+            <a:fillRect/>
+          </a:stretch>
+        </p:blipFill>
+        <p:spPr>
+          <a:xfrm>
+            <a:off x="5909691" y="1610975"/>
+            <a:ext cx="5105656" cy="4822008"/>
           </a:xfrm>
           <a:prstGeom prst="rect">
             <a:avLst/>
@@ -5082,7 +4826,7 @@
     </p:spTree>
     <p:extLst>
       <p:ext uri="{BB962C8B-B14F-4D97-AF65-F5344CB8AC3E}">
-        <p14:creationId xmlns:p14="http://schemas.microsoft.com/office/powerpoint/2010/main" val="1341809100"/>
+        <p14:creationId xmlns:p14="http://schemas.microsoft.com/office/powerpoint/2010/main" val="2776588914"/>
       </p:ext>
     </p:extLst>
   </p:cSld>
